--- a/Hotel capstone.pptx
+++ b/Hotel capstone.pptx
@@ -6492,7 +6492,7 @@
         <p:spPr>
           <a:xfrm>
             <a:off x="147484" y="1312605"/>
-            <a:ext cx="5545395" cy="4953727"/>
+            <a:ext cx="5545395" cy="5274715"/>
           </a:xfrm>
         </p:spPr>
         <p:txBody>
@@ -6529,7 +6529,7 @@
             </a:pPr>
             <a:r>
               <a:rPr lang="en-US" sz="2000" dirty="0"/>
-              <a:t> For lead time greater than 30 days cancellation is greater than 30%</a:t>
+              <a:t> For lead time greater than 15 days cancellation is greater than 30%</a:t>
             </a:r>
           </a:p>
           <a:p>
@@ -6552,7 +6552,11 @@
           <a:p>
             <a:pPr algn="l"/>
             <a:r>
-              <a:rPr lang="en-US" sz="2000" dirty="0"/>
+              <a:rPr lang="en-US" sz="2400" dirty="0">
+                <a:solidFill>
+                  <a:srgbClr val="FF0000"/>
+                </a:solidFill>
+              </a:rPr>
               <a:t>Disallow advance booking of more than 15 days.</a:t>
             </a:r>
           </a:p>
@@ -6606,7 +6610,7 @@
         </p:nvSpPr>
         <p:spPr>
           <a:xfrm>
-            <a:off x="157316" y="-14749"/>
+            <a:off x="157316" y="-191754"/>
             <a:ext cx="6302478" cy="899652"/>
           </a:xfrm>
         </p:spPr>
@@ -6679,7 +6683,7 @@
         </p:nvSpPr>
         <p:spPr>
           <a:xfrm>
-            <a:off x="157316" y="1004027"/>
+            <a:off x="157316" y="855962"/>
             <a:ext cx="4921097" cy="5146075"/>
           </a:xfrm>
         </p:spPr>
@@ -6691,16 +6695,12 @@
           <a:p>
             <a:pPr algn="l"/>
             <a:r>
-              <a:rPr lang="en-US" sz="2800" b="1" u="sng" dirty="0"/>
+              <a:rPr lang="en-US" sz="2400" b="1" u="sng" dirty="0"/>
               <a:t>Hypothesis</a:t>
             </a:r>
             <a:r>
-              <a:rPr lang="en-US" sz="2800" dirty="0"/>
-              <a:t> </a:t>
-            </a:r>
-            <a:r>
               <a:rPr lang="en-US" sz="2400" dirty="0"/>
-              <a:t>–</a:t>
+              <a:t> –</a:t>
             </a:r>
           </a:p>
           <a:p>
@@ -6712,10 +6712,6 @@
           </a:p>
           <a:p>
             <a:pPr algn="l"/>
-            <a:endParaRPr lang="en-US" sz="2400" dirty="0"/>
-          </a:p>
-          <a:p>
-            <a:pPr algn="l"/>
             <a:r>
               <a:rPr lang="en-US" sz="2400" b="1" u="sng" dirty="0"/>
               <a:t>Observation</a:t>
@@ -6740,10 +6736,24 @@
             </a:r>
           </a:p>
           <a:p>
+            <a:pPr marL="342900" indent="-342900" algn="l">
+              <a:buFont typeface="Arial" panose="020B0604020202020204" pitchFamily="34" charset="0"/>
+              <a:buChar char="•"/>
+            </a:pPr>
+            <a:r>
+              <a:rPr lang="en-US" sz="2400" b="1" u="sng" dirty="0"/>
+              <a:t>Conclusion</a:t>
+            </a:r>
+          </a:p>
+          <a:p>
             <a:pPr algn="l"/>
             <a:r>
-              <a:rPr lang="en-US" sz="2400" dirty="0"/>
-              <a:t>3.  Our prices are competitive</a:t>
+              <a:rPr lang="en-US" sz="2400" dirty="0">
+                <a:solidFill>
+                  <a:srgbClr val="FF0000"/>
+                </a:solidFill>
+              </a:rPr>
+              <a:t>Our prices are competitive</a:t>
             </a:r>
           </a:p>
         </p:txBody>
@@ -6943,7 +6953,15 @@
             <a:pPr algn="l"/>
             <a:r>
               <a:rPr lang="en-US" sz="2000" dirty="0"/>
-              <a:t>1. Do way with non refundable bookings</a:t>
+              <a:t>1</a:t>
+            </a:r>
+            <a:r>
+              <a:rPr lang="en-US" sz="2000" dirty="0">
+                <a:solidFill>
+                  <a:srgbClr val="FF0000"/>
+                </a:solidFill>
+              </a:rPr>
+              <a:t>. Do way with non refundable bookings</a:t>
             </a:r>
           </a:p>
           <a:p>
@@ -7071,13 +7089,13 @@
         </p:nvSpPr>
         <p:spPr>
           <a:xfrm>
-            <a:off x="106770" y="1342103"/>
+            <a:off x="213540" y="1030417"/>
             <a:ext cx="4479978" cy="5250426"/>
           </a:xfrm>
         </p:spPr>
         <p:txBody>
           <a:bodyPr>
-            <a:normAutofit fontScale="92500" lnSpcReduction="20000"/>
+            <a:normAutofit lnSpcReduction="10000"/>
           </a:bodyPr>
           <a:lstStyle/>
           <a:p>
@@ -7093,7 +7111,7 @@
                 <a:effectLst/>
                 <a:latin typeface="Arial" panose="020B0604020202020204" pitchFamily="34" charset="0"/>
               </a:rPr>
-              <a:t>Online TAs -- For every 100 tickets booked ,35 are cancelled. But, they outperform in bringing business with more than 30k non-cancelled tickets</a:t>
+              <a:t>Online Tas &amp; Groups  -- For every 100 tickets booked ,35 are cancelled. But, they outperform in bringing business with more than 30k non-cancelled tickets</a:t>
             </a:r>
           </a:p>
           <a:p>
@@ -7106,20 +7124,7 @@
                 <a:effectLst/>
                 <a:latin typeface="Arial" panose="020B0604020202020204" pitchFamily="34" charset="0"/>
               </a:rPr>
-              <a:t>2.Groups -- For every 100 tickets booked by Groups ,27 are cancelled.</a:t>
-            </a:r>
-          </a:p>
-          <a:p>
-            <a:pPr algn="l"/>
-            <a:r>
-              <a:rPr lang="en-US" sz="1900" b="0" i="0" dirty="0">
-                <a:solidFill>
-                  <a:srgbClr val="EBDBB2"/>
-                </a:solidFill>
-                <a:effectLst/>
-                <a:latin typeface="Arial" panose="020B0604020202020204" pitchFamily="34" charset="0"/>
-              </a:rPr>
-              <a:t> 3. For rest segment, cancellations are within 15% threshold.</a:t>
+              <a:t>3. For rest segment, cancellations are within 15% threshold.</a:t>
             </a:r>
           </a:p>
           <a:p>
@@ -7188,27 +7193,27 @@
                 <a:effectLst/>
                 <a:latin typeface="Arial" panose="020B0604020202020204" pitchFamily="34" charset="0"/>
               </a:rPr>
-              <a:t>1. </a:t>
-            </a:r>
-            <a:r>
-              <a:rPr lang="en-US" sz="1900" dirty="0" err="1">
+              <a:t>1.</a:t>
+            </a:r>
+            <a:r>
+              <a:rPr lang="en-US" sz="1900" b="1" dirty="0">
                 <a:solidFill>
-                  <a:srgbClr val="EBDBB2"/>
+                  <a:srgbClr val="FF0000"/>
                 </a:solidFill>
                 <a:effectLst/>
                 <a:latin typeface="Arial" panose="020B0604020202020204" pitchFamily="34" charset="0"/>
               </a:rPr>
-              <a:t>Incentivise</a:t>
+              <a:t>Overbook</a:t>
             </a:r>
             <a:r>
               <a:rPr lang="en-US" sz="1900" dirty="0">
                 <a:solidFill>
-                  <a:srgbClr val="EBDBB2"/>
+                  <a:srgbClr val="FF0000"/>
                 </a:solidFill>
                 <a:effectLst/>
                 <a:latin typeface="Arial" panose="020B0604020202020204" pitchFamily="34" charset="0"/>
               </a:rPr>
-              <a:t> online TAs to make advance payment while booking by giving them cashbacks.</a:t>
+              <a:t> the hotel than the occupancy using a suitable model.</a:t>
             </a:r>
           </a:p>
           <a:p>
@@ -7289,7 +7294,7 @@
         <p:spPr>
           <a:xfrm>
             <a:off x="201093" y="-39674"/>
-            <a:ext cx="10718098" cy="938981"/>
+            <a:ext cx="11420636" cy="938981"/>
           </a:xfrm>
         </p:spPr>
         <p:txBody>
@@ -7300,7 +7305,7 @@
           <a:p>
             <a:r>
               <a:rPr lang="en-US" u="sng" dirty="0"/>
-              <a:t>Month-wise booking trends of each hotel type</a:t>
+              <a:t>Cumulative Month-wise booking trends of each hotel type</a:t>
             </a:r>
           </a:p>
         </p:txBody>
@@ -7340,12 +7345,17 @@
             </a:r>
           </a:p>
           <a:p>
-            <a:pPr marL="342900" indent="-342900" algn="l">
-              <a:buAutoNum type="arabicPeriod"/>
-            </a:pPr>
+            <a:pPr algn="l"/>
             <a:r>
               <a:rPr lang="en-US" sz="2000" dirty="0"/>
-              <a:t>Dec, Jan are the lean business seasons</a:t>
+              <a:t>1. July, Aug are peak business months</a:t>
+            </a:r>
+          </a:p>
+          <a:p>
+            <a:pPr algn="l"/>
+            <a:r>
+              <a:rPr lang="en-US" sz="2000" dirty="0"/>
+              <a:t>2. Dec, Jan are the lean business seasons</a:t>
             </a:r>
           </a:p>
           <a:p>
@@ -7360,9 +7370,6 @@
               <a:rPr lang="en-US" sz="2000" b="1" u="sng" dirty="0"/>
               <a:t>Recommendation/s</a:t>
             </a:r>
-          </a:p>
-          <a:p>
-            <a:pPr algn="l"/>
             <a:endParaRPr lang="en-US" sz="2000" dirty="0"/>
           </a:p>
           <a:p>
@@ -7371,8 +7378,20 @@
               <a:buAutoNum type="arabicPeriod"/>
             </a:pPr>
             <a:r>
+              <a:rPr lang="en-US" sz="2000" b="1" u="sng" dirty="0"/>
+              <a:t> </a:t>
+            </a:r>
+            <a:r>
+              <a:rPr lang="en-US" sz="2000" b="1" u="sng" dirty="0">
+                <a:solidFill>
+                  <a:srgbClr val="FF0000"/>
+                </a:solidFill>
+              </a:rPr>
+              <a:t>Dynamic  Pricing  </a:t>
+            </a:r>
+            <a:r>
               <a:rPr lang="en-US" sz="2000" dirty="0"/>
-              <a:t>Discounts can be given in Jan &amp; other low booking months to increase occupancy.</a:t>
+              <a:t>can be introduced  in peak booking months Aug ,July</a:t>
             </a:r>
           </a:p>
           <a:p>
@@ -7382,7 +7401,7 @@
             </a:pPr>
             <a:r>
               <a:rPr lang="en-US" sz="2000" dirty="0"/>
-              <a:t> Dynamic  Pricing  can be introduced  in peak booking months Aug ,July </a:t>
+              <a:t>Discounts can be given in Jan &amp; other low booking months to increase occupancy </a:t>
             </a:r>
           </a:p>
         </p:txBody>
@@ -7606,7 +7625,7 @@
             </a:pPr>
             <a:r>
               <a:rPr lang="en-US" sz="2000" dirty="0"/>
-              <a:t>Same ADR per day for both week days &amp; weekend days</a:t>
+              <a:t>Same ADR for both week days &amp; weekend days</a:t>
             </a:r>
           </a:p>
         </p:txBody>
@@ -7748,7 +7767,11 @@
               <a:t>Get a </a:t>
             </a:r>
             <a:r>
-              <a:rPr lang="en-US" sz="1800" b="1" u="sng" dirty="0"/>
+              <a:rPr lang="en-US" sz="1800" b="1" u="sng" dirty="0">
+                <a:solidFill>
+                  <a:srgbClr val="FF0000"/>
+                </a:solidFill>
+              </a:rPr>
               <a:t>feedback form </a:t>
             </a:r>
             <a:r>
@@ -7766,7 +7789,11 @@
               <a:t>Start </a:t>
             </a:r>
             <a:r>
-              <a:rPr lang="en-US" sz="1800" b="1" u="sng" dirty="0"/>
+              <a:rPr lang="en-US" sz="1800" b="1" u="sng" dirty="0">
+                <a:solidFill>
+                  <a:srgbClr val="FF0000"/>
+                </a:solidFill>
+              </a:rPr>
               <a:t>loyalty cards </a:t>
             </a:r>
             <a:r>
@@ -8557,12 +8584,218 @@
           </a:p>
         </p:txBody>
       </p:sp>
+      <p:sp>
+        <p:nvSpPr>
+          <p:cNvPr id="3" name="TextBox 2">
+            <a:extLst>
+              <a:ext uri="{FF2B5EF4-FFF2-40B4-BE49-F238E27FC236}">
+                <a16:creationId xmlns:a16="http://schemas.microsoft.com/office/drawing/2014/main" id="{98E194A6-DB09-45FB-B6A7-DB59A03A5E49}"/>
+              </a:ext>
+            </a:extLst>
+          </p:cNvPr>
+          <p:cNvSpPr txBox="1"/>
+          <p:nvPr/>
+        </p:nvSpPr>
+        <p:spPr>
+          <a:xfrm>
+            <a:off x="9984658" y="1512952"/>
+            <a:ext cx="1646903" cy="3693319"/>
+          </a:xfrm>
+          <a:prstGeom prst="rect">
+            <a:avLst/>
+          </a:prstGeom>
+          <a:noFill/>
+        </p:spPr>
+        <p:txBody>
+          <a:bodyPr wrap="square" rtlCol="0">
+            <a:spAutoFit/>
+          </a:bodyPr>
+          <a:lstStyle/>
+          <a:p>
+            <a:r>
+              <a:rPr lang="en-US" b="0" i="0" dirty="0">
+                <a:solidFill>
+                  <a:srgbClr val="EBDBB2"/>
+                </a:solidFill>
+                <a:effectLst/>
+                <a:latin typeface="Arial" panose="020B0604020202020204" pitchFamily="34" charset="0"/>
+              </a:rPr>
+              <a:t>['</a:t>
+            </a:r>
+            <a:r>
+              <a:rPr lang="en-US" b="0" i="0" dirty="0" err="1">
+                <a:solidFill>
+                  <a:srgbClr val="EBDBB2"/>
+                </a:solidFill>
+                <a:effectLst/>
+                <a:latin typeface="Arial" panose="020B0604020202020204" pitchFamily="34" charset="0"/>
+              </a:rPr>
+              <a:t>lead_time</a:t>
+            </a:r>
+            <a:r>
+              <a:rPr lang="en-US" b="0" i="0" dirty="0">
+                <a:solidFill>
+                  <a:srgbClr val="EBDBB2"/>
+                </a:solidFill>
+                <a:effectLst/>
+                <a:latin typeface="Arial" panose="020B0604020202020204" pitchFamily="34" charset="0"/>
+              </a:rPr>
+              <a:t>’</a:t>
+            </a:r>
+          </a:p>
+          <a:p>
+            <a:r>
+              <a:rPr lang="en-US" b="0" i="0" dirty="0">
+                <a:solidFill>
+                  <a:srgbClr val="EBDBB2"/>
+                </a:solidFill>
+                <a:effectLst/>
+                <a:latin typeface="Arial" panose="020B0604020202020204" pitchFamily="34" charset="0"/>
+              </a:rPr>
+              <a:t>,'</a:t>
+            </a:r>
+            <a:r>
+              <a:rPr lang="en-US" b="0" i="0" dirty="0" err="1">
+                <a:solidFill>
+                  <a:srgbClr val="EBDBB2"/>
+                </a:solidFill>
+                <a:effectLst/>
+                <a:latin typeface="Arial" panose="020B0604020202020204" pitchFamily="34" charset="0"/>
+              </a:rPr>
+              <a:t>stays_in_weekend_nights</a:t>
+            </a:r>
+            <a:r>
+              <a:rPr lang="en-US" b="0" i="0" dirty="0">
+                <a:solidFill>
+                  <a:srgbClr val="EBDBB2"/>
+                </a:solidFill>
+                <a:effectLst/>
+                <a:latin typeface="Arial" panose="020B0604020202020204" pitchFamily="34" charset="0"/>
+              </a:rPr>
+              <a:t>’,</a:t>
+            </a:r>
+          </a:p>
+          <a:p>
+            <a:endParaRPr lang="en-US" dirty="0">
+              <a:solidFill>
+                <a:srgbClr val="EBDBB2"/>
+              </a:solidFill>
+              <a:latin typeface="Arial" panose="020B0604020202020204" pitchFamily="34" charset="0"/>
+            </a:endParaRPr>
+          </a:p>
+          <a:p>
+            <a:r>
+              <a:rPr lang="en-US" b="0" i="0" dirty="0">
+                <a:solidFill>
+                  <a:srgbClr val="EBDBB2"/>
+                </a:solidFill>
+                <a:effectLst/>
+                <a:latin typeface="Arial" panose="020B0604020202020204" pitchFamily="34" charset="0"/>
+              </a:rPr>
+              <a:t>'</a:t>
+            </a:r>
+            <a:r>
+              <a:rPr lang="en-US" b="0" i="0" dirty="0" err="1">
+                <a:solidFill>
+                  <a:srgbClr val="EBDBB2"/>
+                </a:solidFill>
+                <a:effectLst/>
+                <a:latin typeface="Arial" panose="020B0604020202020204" pitchFamily="34" charset="0"/>
+              </a:rPr>
+              <a:t>stays_in_week_nights</a:t>
+            </a:r>
+            <a:r>
+              <a:rPr lang="en-US" b="0" i="0" dirty="0">
+                <a:solidFill>
+                  <a:srgbClr val="EBDBB2"/>
+                </a:solidFill>
+                <a:effectLst/>
+                <a:latin typeface="Arial" panose="020B0604020202020204" pitchFamily="34" charset="0"/>
+              </a:rPr>
+              <a:t>’,</a:t>
+            </a:r>
+          </a:p>
+          <a:p>
+            <a:endParaRPr lang="en-US" dirty="0">
+              <a:solidFill>
+                <a:srgbClr val="EBDBB2"/>
+              </a:solidFill>
+              <a:latin typeface="Arial" panose="020B0604020202020204" pitchFamily="34" charset="0"/>
+            </a:endParaRPr>
+          </a:p>
+          <a:p>
+            <a:r>
+              <a:rPr lang="en-US" b="0" i="0" dirty="0">
+                <a:solidFill>
+                  <a:srgbClr val="EBDBB2"/>
+                </a:solidFill>
+                <a:effectLst/>
+                <a:latin typeface="Arial" panose="020B0604020202020204" pitchFamily="34" charset="0"/>
+              </a:rPr>
+              <a:t>'days_in_waiting_list','</a:t>
+            </a:r>
+            <a:r>
+              <a:rPr lang="en-US" b="0" i="0" dirty="0" err="1">
+                <a:solidFill>
+                  <a:srgbClr val="EBDBB2"/>
+                </a:solidFill>
+                <a:effectLst/>
+                <a:latin typeface="Arial" panose="020B0604020202020204" pitchFamily="34" charset="0"/>
+              </a:rPr>
+              <a:t>adr</a:t>
+            </a:r>
+            <a:r>
+              <a:rPr lang="en-US" b="0" i="0" dirty="0">
+                <a:solidFill>
+                  <a:srgbClr val="EBDBB2"/>
+                </a:solidFill>
+                <a:effectLst/>
+                <a:latin typeface="Arial" panose="020B0604020202020204" pitchFamily="34" charset="0"/>
+              </a:rPr>
+              <a:t>’,</a:t>
+            </a:r>
+          </a:p>
+          <a:p>
+            <a:endParaRPr lang="en-US" dirty="0">
+              <a:solidFill>
+                <a:srgbClr val="EBDBB2"/>
+              </a:solidFill>
+              <a:latin typeface="Arial" panose="020B0604020202020204" pitchFamily="34" charset="0"/>
+            </a:endParaRPr>
+          </a:p>
+          <a:p>
+            <a:r>
+              <a:rPr lang="en-US" b="0" i="0" dirty="0">
+                <a:solidFill>
+                  <a:srgbClr val="EBDBB2"/>
+                </a:solidFill>
+                <a:effectLst/>
+                <a:latin typeface="Arial" panose="020B0604020202020204" pitchFamily="34" charset="0"/>
+              </a:rPr>
+              <a:t>'adults’</a:t>
+            </a:r>
+          </a:p>
+          <a:p>
+            <a:r>
+              <a:rPr lang="en-US" b="0" i="0" dirty="0">
+                <a:solidFill>
+                  <a:srgbClr val="EBDBB2"/>
+                </a:solidFill>
+                <a:effectLst/>
+                <a:latin typeface="Arial" panose="020B0604020202020204" pitchFamily="34" charset="0"/>
+              </a:rPr>
+              <a:t>']</a:t>
+            </a:r>
+            <a:endParaRPr lang="en-US" dirty="0"/>
+          </a:p>
+        </p:txBody>
+      </p:sp>
       <p:pic>
         <p:nvPicPr>
-          <p:cNvPr id="13" name="Content Placeholder 12">
+          <p:cNvPr id="7" name="Content Placeholder 6">
             <a:extLst>
               <a:ext uri="{FF2B5EF4-FFF2-40B4-BE49-F238E27FC236}">
-                <a16:creationId xmlns:a16="http://schemas.microsoft.com/office/drawing/2014/main" id="{4A55567E-959B-46EC-B79E-721711A69A7A}"/>
+                <a16:creationId xmlns:a16="http://schemas.microsoft.com/office/drawing/2014/main" id="{455D4AD9-A9D8-4E4D-8E76-929869A9F7A0}"/>
               </a:ext>
             </a:extLst>
           </p:cNvPr>
@@ -8587,217 +8820,11 @@
         </p:blipFill>
         <p:spPr>
           <a:xfrm>
-            <a:off x="560439" y="893520"/>
-            <a:ext cx="9026013" cy="6005219"/>
+            <a:off x="560439" y="1122592"/>
+            <a:ext cx="8480127" cy="5024870"/>
           </a:xfrm>
         </p:spPr>
       </p:pic>
-      <p:sp>
-        <p:nvSpPr>
-          <p:cNvPr id="3" name="TextBox 2">
-            <a:extLst>
-              <a:ext uri="{FF2B5EF4-FFF2-40B4-BE49-F238E27FC236}">
-                <a16:creationId xmlns:a16="http://schemas.microsoft.com/office/drawing/2014/main" id="{98E194A6-DB09-45FB-B6A7-DB59A03A5E49}"/>
-              </a:ext>
-            </a:extLst>
-          </p:cNvPr>
-          <p:cNvSpPr txBox="1"/>
-          <p:nvPr/>
-        </p:nvSpPr>
-        <p:spPr>
-          <a:xfrm>
-            <a:off x="9984658" y="1512952"/>
-            <a:ext cx="1646903" cy="3693319"/>
-          </a:xfrm>
-          <a:prstGeom prst="rect">
-            <a:avLst/>
-          </a:prstGeom>
-          <a:noFill/>
-        </p:spPr>
-        <p:txBody>
-          <a:bodyPr wrap="square" rtlCol="0">
-            <a:spAutoFit/>
-          </a:bodyPr>
-          <a:lstStyle/>
-          <a:p>
-            <a:r>
-              <a:rPr lang="en-US" b="0" i="0" dirty="0">
-                <a:solidFill>
-                  <a:srgbClr val="EBDBB2"/>
-                </a:solidFill>
-                <a:effectLst/>
-                <a:latin typeface="Arial" panose="020B0604020202020204" pitchFamily="34" charset="0"/>
-              </a:rPr>
-              <a:t>['</a:t>
-            </a:r>
-            <a:r>
-              <a:rPr lang="en-US" b="0" i="0" dirty="0" err="1">
-                <a:solidFill>
-                  <a:srgbClr val="EBDBB2"/>
-                </a:solidFill>
-                <a:effectLst/>
-                <a:latin typeface="Arial" panose="020B0604020202020204" pitchFamily="34" charset="0"/>
-              </a:rPr>
-              <a:t>lead_time</a:t>
-            </a:r>
-            <a:r>
-              <a:rPr lang="en-US" b="0" i="0" dirty="0">
-                <a:solidFill>
-                  <a:srgbClr val="EBDBB2"/>
-                </a:solidFill>
-                <a:effectLst/>
-                <a:latin typeface="Arial" panose="020B0604020202020204" pitchFamily="34" charset="0"/>
-              </a:rPr>
-              <a:t>’</a:t>
-            </a:r>
-          </a:p>
-          <a:p>
-            <a:r>
-              <a:rPr lang="en-US" b="0" i="0" dirty="0">
-                <a:solidFill>
-                  <a:srgbClr val="EBDBB2"/>
-                </a:solidFill>
-                <a:effectLst/>
-                <a:latin typeface="Arial" panose="020B0604020202020204" pitchFamily="34" charset="0"/>
-              </a:rPr>
-              <a:t>,'</a:t>
-            </a:r>
-            <a:r>
-              <a:rPr lang="en-US" b="0" i="0" dirty="0" err="1">
-                <a:solidFill>
-                  <a:srgbClr val="EBDBB2"/>
-                </a:solidFill>
-                <a:effectLst/>
-                <a:latin typeface="Arial" panose="020B0604020202020204" pitchFamily="34" charset="0"/>
-              </a:rPr>
-              <a:t>stays_in_weekend_nights</a:t>
-            </a:r>
-            <a:r>
-              <a:rPr lang="en-US" b="0" i="0" dirty="0">
-                <a:solidFill>
-                  <a:srgbClr val="EBDBB2"/>
-                </a:solidFill>
-                <a:effectLst/>
-                <a:latin typeface="Arial" panose="020B0604020202020204" pitchFamily="34" charset="0"/>
-              </a:rPr>
-              <a:t>’,</a:t>
-            </a:r>
-          </a:p>
-          <a:p>
-            <a:endParaRPr lang="en-US" dirty="0">
-              <a:solidFill>
-                <a:srgbClr val="EBDBB2"/>
-              </a:solidFill>
-              <a:latin typeface="Arial" panose="020B0604020202020204" pitchFamily="34" charset="0"/>
-            </a:endParaRPr>
-          </a:p>
-          <a:p>
-            <a:r>
-              <a:rPr lang="en-US" b="0" i="0" dirty="0">
-                <a:solidFill>
-                  <a:srgbClr val="EBDBB2"/>
-                </a:solidFill>
-                <a:effectLst/>
-                <a:latin typeface="Arial" panose="020B0604020202020204" pitchFamily="34" charset="0"/>
-              </a:rPr>
-              <a:t>'</a:t>
-            </a:r>
-            <a:r>
-              <a:rPr lang="en-US" b="0" i="0" dirty="0" err="1">
-                <a:solidFill>
-                  <a:srgbClr val="EBDBB2"/>
-                </a:solidFill>
-                <a:effectLst/>
-                <a:latin typeface="Arial" panose="020B0604020202020204" pitchFamily="34" charset="0"/>
-              </a:rPr>
-              <a:t>stays_in_week_nights</a:t>
-            </a:r>
-            <a:r>
-              <a:rPr lang="en-US" b="0" i="0" dirty="0">
-                <a:solidFill>
-                  <a:srgbClr val="EBDBB2"/>
-                </a:solidFill>
-                <a:effectLst/>
-                <a:latin typeface="Arial" panose="020B0604020202020204" pitchFamily="34" charset="0"/>
-              </a:rPr>
-              <a:t>’,</a:t>
-            </a:r>
-          </a:p>
-          <a:p>
-            <a:endParaRPr lang="en-US" dirty="0">
-              <a:solidFill>
-                <a:srgbClr val="EBDBB2"/>
-              </a:solidFill>
-              <a:latin typeface="Arial" panose="020B0604020202020204" pitchFamily="34" charset="0"/>
-            </a:endParaRPr>
-          </a:p>
-          <a:p>
-            <a:r>
-              <a:rPr lang="en-US" b="0" i="0" dirty="0">
-                <a:solidFill>
-                  <a:srgbClr val="EBDBB2"/>
-                </a:solidFill>
-                <a:effectLst/>
-                <a:latin typeface="Arial" panose="020B0604020202020204" pitchFamily="34" charset="0"/>
-              </a:rPr>
-              <a:t>'days_in_waiting_list','</a:t>
-            </a:r>
-            <a:r>
-              <a:rPr lang="en-US" b="0" i="0" dirty="0" err="1">
-                <a:solidFill>
-                  <a:srgbClr val="EBDBB2"/>
-                </a:solidFill>
-                <a:effectLst/>
-                <a:latin typeface="Arial" panose="020B0604020202020204" pitchFamily="34" charset="0"/>
-              </a:rPr>
-              <a:t>adr</a:t>
-            </a:r>
-            <a:r>
-              <a:rPr lang="en-US" b="0" i="0" dirty="0">
-                <a:solidFill>
-                  <a:srgbClr val="EBDBB2"/>
-                </a:solidFill>
-                <a:effectLst/>
-                <a:latin typeface="Arial" panose="020B0604020202020204" pitchFamily="34" charset="0"/>
-              </a:rPr>
-              <a:t>’,</a:t>
-            </a:r>
-          </a:p>
-          <a:p>
-            <a:endParaRPr lang="en-US" dirty="0">
-              <a:solidFill>
-                <a:srgbClr val="EBDBB2"/>
-              </a:solidFill>
-              <a:latin typeface="Arial" panose="020B0604020202020204" pitchFamily="34" charset="0"/>
-            </a:endParaRPr>
-          </a:p>
-          <a:p>
-            <a:r>
-              <a:rPr lang="en-US" b="0" i="0" dirty="0">
-                <a:solidFill>
-                  <a:srgbClr val="EBDBB2"/>
-                </a:solidFill>
-                <a:effectLst/>
-                <a:latin typeface="Arial" panose="020B0604020202020204" pitchFamily="34" charset="0"/>
-              </a:rPr>
-              <a:t>'adults’</a:t>
-            </a:r>
-          </a:p>
-          <a:p>
-            <a:r>
-              <a:rPr lang="en-US" b="0" i="0" dirty="0">
-                <a:solidFill>
-                  <a:srgbClr val="EBDBB2"/>
-                </a:solidFill>
-                <a:effectLst/>
-                <a:latin typeface="Arial" panose="020B0604020202020204" pitchFamily="34" charset="0"/>
-              </a:rPr>
-              <a:t>']</a:t>
-            </a:r>
-            <a:endParaRPr lang="en-US" dirty="0"/>
-          </a:p>
-        </p:txBody>
-      </p:sp>
     </p:spTree>
     <p:extLst>
       <p:ext uri="{BB962C8B-B14F-4D97-AF65-F5344CB8AC3E}">
@@ -9041,9 +9068,12 @@
             <a:endParaRPr lang="en-US" sz="1800" b="1" u="sng" dirty="0"/>
           </a:p>
           <a:p>
+            <a:pPr marL="342900" indent="-342900">
+              <a:buAutoNum type="arabicPeriod"/>
+            </a:pPr>
             <a:r>
               <a:rPr lang="en-US" dirty="0"/>
-              <a:t>1.  In Europe , people plan their </a:t>
+              <a:t>In Europe , people plan their </a:t>
             </a:r>
             <a:r>
               <a:rPr lang="en-US" dirty="0" err="1"/>
@@ -9056,28 +9086,28 @@
           </a:p>
           <a:p>
             <a:pPr marL="342900" indent="-342900">
-              <a:buAutoNum type="arabicPeriod" startAt="2"/>
+              <a:buAutoNum type="arabicPeriod"/>
+            </a:pPr>
+            <a:r>
+              <a:rPr lang="en-US" dirty="0"/>
+              <a:t> 60 % of bookings  before 365 days are  realized. Therefore, such rows are </a:t>
+            </a:r>
+            <a:r>
+              <a:rPr lang="en-US" b="1" dirty="0"/>
+              <a:t>not dropped</a:t>
+            </a:r>
+            <a:r>
+              <a:rPr lang="en-US" dirty="0"/>
+              <a:t>.</a:t>
+            </a:r>
+          </a:p>
+          <a:p>
+            <a:pPr marL="342900" indent="-342900">
+              <a:buAutoNum type="arabicPeriod"/>
             </a:pPr>
             <a:r>
               <a:rPr lang="en-US" dirty="0"/>
               <a:t>Later it is proved that higher the lead time greater are the chances of cancellation</a:t>
-            </a:r>
-          </a:p>
-          <a:p>
-            <a:pPr marL="342900" indent="-342900">
-              <a:buAutoNum type="arabicPeriod" startAt="2"/>
-            </a:pPr>
-            <a:r>
-              <a:rPr lang="en-US" dirty="0"/>
-              <a:t>Nevertheless, 60 % of bookings  before 365 days are  realized. Therefore, such rows are </a:t>
-            </a:r>
-            <a:r>
-              <a:rPr lang="en-US" b="1" dirty="0"/>
-              <a:t>not dropped</a:t>
-            </a:r>
-            <a:r>
-              <a:rPr lang="en-US" dirty="0"/>
-              <a:t>.</a:t>
             </a:r>
           </a:p>
         </p:txBody>
@@ -10166,8 +10196,8 @@
         </p:blipFill>
         <p:spPr>
           <a:xfrm>
-            <a:off x="1002892" y="0"/>
-            <a:ext cx="10761406" cy="6307211"/>
+            <a:off x="1696065" y="406266"/>
+            <a:ext cx="10068233" cy="5900946"/>
           </a:xfrm>
           <a:prstGeom prst="rect">
             <a:avLst/>

--- a/Hotel capstone.pptx
+++ b/Hotel capstone.pptx
@@ -5,7 +5,7 @@
     <p:sldMasterId id="2147483949" r:id="rId1"/>
   </p:sldMasterIdLst>
   <p:notesMasterIdLst>
-    <p:notesMasterId r:id="rId19"/>
+    <p:notesMasterId r:id="rId21"/>
   </p:notesMasterIdLst>
   <p:sldIdLst>
     <p:sldId id="256" r:id="rId2"/>
@@ -24,7 +24,9 @@
     <p:sldId id="273" r:id="rId15"/>
     <p:sldId id="271" r:id="rId16"/>
     <p:sldId id="268" r:id="rId17"/>
-    <p:sldId id="276" r:id="rId18"/>
+    <p:sldId id="277" r:id="rId18"/>
+    <p:sldId id="278" r:id="rId19"/>
+    <p:sldId id="276" r:id="rId20"/>
   </p:sldIdLst>
   <p:sldSz cx="12192000" cy="6858000"/>
   <p:notesSz cx="6858000" cy="9144000"/>
@@ -251,7 +253,7 @@
           <a:p>
             <a:fld id="{3B452923-44FF-4129-A3D5-16FDA3A4B487}" type="datetimeFigureOut">
               <a:rPr lang="en-US" smtClean="0"/>
-              <a:t>7/10/2023</a:t>
+              <a:t>7/11/2023</a:t>
             </a:fld>
             <a:endParaRPr lang="en-US"/>
           </a:p>
@@ -651,7 +653,7 @@
           <a:p>
             <a:fld id="{1F6F999C-C7DA-42D2-AA36-34C04C234053}" type="datetimeFigureOut">
               <a:rPr lang="en-US" smtClean="0"/>
-              <a:t>7/10/2023</a:t>
+              <a:t>7/11/2023</a:t>
             </a:fld>
             <a:endParaRPr lang="en-US"/>
           </a:p>
@@ -938,7 +940,7 @@
           <a:p>
             <a:fld id="{1F6F999C-C7DA-42D2-AA36-34C04C234053}" type="datetimeFigureOut">
               <a:rPr lang="en-US" smtClean="0"/>
-              <a:t>7/10/2023</a:t>
+              <a:t>7/11/2023</a:t>
             </a:fld>
             <a:endParaRPr lang="en-US"/>
           </a:p>
@@ -1130,7 +1132,7 @@
           <a:p>
             <a:fld id="{1F6F999C-C7DA-42D2-AA36-34C04C234053}" type="datetimeFigureOut">
               <a:rPr lang="en-US" smtClean="0"/>
-              <a:t>7/10/2023</a:t>
+              <a:t>7/11/2023</a:t>
             </a:fld>
             <a:endParaRPr lang="en-US"/>
           </a:p>
@@ -1391,7 +1393,7 @@
           <a:p>
             <a:fld id="{1F6F999C-C7DA-42D2-AA36-34C04C234053}" type="datetimeFigureOut">
               <a:rPr lang="en-US" smtClean="0"/>
-              <a:t>7/10/2023</a:t>
+              <a:t>7/11/2023</a:t>
             </a:fld>
             <a:endParaRPr lang="en-US"/>
           </a:p>
@@ -1815,7 +1817,7 @@
           <a:p>
             <a:fld id="{1F6F999C-C7DA-42D2-AA36-34C04C234053}" type="datetimeFigureOut">
               <a:rPr lang="en-US" smtClean="0"/>
-              <a:t>7/10/2023</a:t>
+              <a:t>7/11/2023</a:t>
             </a:fld>
             <a:endParaRPr lang="en-US"/>
           </a:p>
@@ -2361,7 +2363,7 @@
           <a:p>
             <a:fld id="{1F6F999C-C7DA-42D2-AA36-34C04C234053}" type="datetimeFigureOut">
               <a:rPr lang="en-US" smtClean="0"/>
-              <a:t>7/10/2023</a:t>
+              <a:t>7/11/2023</a:t>
             </a:fld>
             <a:endParaRPr lang="en-US"/>
           </a:p>
@@ -3201,7 +3203,7 @@
           <a:p>
             <a:fld id="{1F6F999C-C7DA-42D2-AA36-34C04C234053}" type="datetimeFigureOut">
               <a:rPr lang="en-US" smtClean="0"/>
-              <a:t>7/10/2023</a:t>
+              <a:t>7/11/2023</a:t>
             </a:fld>
             <a:endParaRPr lang="en-US"/>
           </a:p>
@@ -3371,7 +3373,7 @@
           <a:p>
             <a:fld id="{1F6F999C-C7DA-42D2-AA36-34C04C234053}" type="datetimeFigureOut">
               <a:rPr lang="en-US" smtClean="0"/>
-              <a:t>7/10/2023</a:t>
+              <a:t>7/11/2023</a:t>
             </a:fld>
             <a:endParaRPr lang="en-US"/>
           </a:p>
@@ -3555,7 +3557,7 @@
           <a:p>
             <a:fld id="{1F6F999C-C7DA-42D2-AA36-34C04C234053}" type="datetimeFigureOut">
               <a:rPr lang="en-US" smtClean="0"/>
-              <a:t>7/10/2023</a:t>
+              <a:t>7/11/2023</a:t>
             </a:fld>
             <a:endParaRPr lang="en-US"/>
           </a:p>
@@ -3725,7 +3727,7 @@
           <a:p>
             <a:fld id="{1F6F999C-C7DA-42D2-AA36-34C04C234053}" type="datetimeFigureOut">
               <a:rPr lang="en-US" smtClean="0"/>
-              <a:t>7/10/2023</a:t>
+              <a:t>7/11/2023</a:t>
             </a:fld>
             <a:endParaRPr lang="en-US"/>
           </a:p>
@@ -3973,7 +3975,7 @@
           <a:p>
             <a:fld id="{1F6F999C-C7DA-42D2-AA36-34C04C234053}" type="datetimeFigureOut">
               <a:rPr lang="en-US" smtClean="0"/>
-              <a:t>7/10/2023</a:t>
+              <a:t>7/11/2023</a:t>
             </a:fld>
             <a:endParaRPr lang="en-US"/>
           </a:p>
@@ -4210,7 +4212,7 @@
           <a:p>
             <a:fld id="{1F6F999C-C7DA-42D2-AA36-34C04C234053}" type="datetimeFigureOut">
               <a:rPr lang="en-US" smtClean="0"/>
-              <a:t>7/10/2023</a:t>
+              <a:t>7/11/2023</a:t>
             </a:fld>
             <a:endParaRPr lang="en-US"/>
           </a:p>
@@ -4583,7 +4585,7 @@
           <a:p>
             <a:fld id="{1F6F999C-C7DA-42D2-AA36-34C04C234053}" type="datetimeFigureOut">
               <a:rPr lang="en-US" smtClean="0"/>
-              <a:t>7/10/2023</a:t>
+              <a:t>7/11/2023</a:t>
             </a:fld>
             <a:endParaRPr lang="en-US"/>
           </a:p>
@@ -4701,7 +4703,7 @@
           <a:p>
             <a:fld id="{1F6F999C-C7DA-42D2-AA36-34C04C234053}" type="datetimeFigureOut">
               <a:rPr lang="en-US" smtClean="0"/>
-              <a:t>7/10/2023</a:t>
+              <a:t>7/11/2023</a:t>
             </a:fld>
             <a:endParaRPr lang="en-US"/>
           </a:p>
@@ -4796,7 +4798,7 @@
           <a:p>
             <a:fld id="{1F6F999C-C7DA-42D2-AA36-34C04C234053}" type="datetimeFigureOut">
               <a:rPr lang="en-US" smtClean="0"/>
-              <a:t>7/10/2023</a:t>
+              <a:t>7/11/2023</a:t>
             </a:fld>
             <a:endParaRPr lang="en-US"/>
           </a:p>
@@ -5047,7 +5049,7 @@
           <a:p>
             <a:fld id="{1F6F999C-C7DA-42D2-AA36-34C04C234053}" type="datetimeFigureOut">
               <a:rPr lang="en-US" smtClean="0"/>
-              <a:t>7/10/2023</a:t>
+              <a:t>7/11/2023</a:t>
             </a:fld>
             <a:endParaRPr lang="en-US"/>
           </a:p>
@@ -5334,7 +5336,7 @@
           <a:p>
             <a:fld id="{1F6F999C-C7DA-42D2-AA36-34C04C234053}" type="datetimeFigureOut">
               <a:rPr lang="en-US" smtClean="0"/>
-              <a:t>7/10/2023</a:t>
+              <a:t>7/11/2023</a:t>
             </a:fld>
             <a:endParaRPr lang="en-US"/>
           </a:p>
@@ -5547,7 +5549,7 @@
           <a:p>
             <a:fld id="{1F6F999C-C7DA-42D2-AA36-34C04C234053}" type="datetimeFigureOut">
               <a:rPr lang="en-US" smtClean="0"/>
-              <a:t>7/10/2023</a:t>
+              <a:t>7/11/2023</a:t>
             </a:fld>
             <a:endParaRPr lang="en-US"/>
           </a:p>
@@ -6160,7 +6162,7 @@
         <p:spPr>
           <a:xfrm>
             <a:off x="0" y="1355527"/>
-            <a:ext cx="8008374" cy="4308872"/>
+            <a:ext cx="8008374" cy="4801314"/>
           </a:xfrm>
           <a:prstGeom prst="rect">
             <a:avLst/>
@@ -6267,7 +6269,32 @@
                 <a:effectLst/>
                 <a:latin typeface="Roboto" panose="020B0604020202020204" pitchFamily="2" charset="0"/>
               </a:rPr>
-              <a:t>xploring new business opportunities,</a:t>
+              <a:t>xploring </a:t>
+            </a:r>
+            <a:r>
+              <a:rPr lang="en-US" sz="3200" b="1" dirty="0">
+                <a:solidFill>
+                  <a:schemeClr val="bg1">
+                    <a:lumMod val="95000"/>
+                    <a:lumOff val="5000"/>
+                  </a:schemeClr>
+                </a:solidFill>
+                <a:latin typeface="Roboto" panose="020B0604020202020204" pitchFamily="2" charset="0"/>
+              </a:rPr>
+              <a:t>untapped</a:t>
+            </a:r>
+            <a:r>
+              <a:rPr lang="en-US" sz="3200" b="1" i="0" dirty="0">
+                <a:solidFill>
+                  <a:schemeClr val="bg1">
+                    <a:lumMod val="95000"/>
+                    <a:lumOff val="5000"/>
+                  </a:schemeClr>
+                </a:solidFill>
+                <a:effectLst/>
+                <a:latin typeface="Roboto" panose="020B0604020202020204" pitchFamily="2" charset="0"/>
+              </a:rPr>
+              <a:t> business opportunities,</a:t>
             </a:r>
           </a:p>
           <a:p>
@@ -6311,7 +6338,7 @@
                 <a:effectLst/>
                 <a:latin typeface="Roboto" panose="020B0604020202020204" pitchFamily="2" charset="0"/>
               </a:rPr>
-              <a:t>inding existing pitfalls</a:t>
+              <a:t>inding existing pitfalls &amp; suggesting suitable measures</a:t>
             </a:r>
           </a:p>
           <a:p>
@@ -7865,6 +7892,423 @@
 </file>
 
 <file path=ppt/slides/slide17.xml><?xml version="1.0" encoding="utf-8"?>
+<p:sld xmlns:a="http://schemas.openxmlformats.org/drawingml/2006/main" xmlns:r="http://schemas.openxmlformats.org/officeDocument/2006/relationships" xmlns:p="http://schemas.openxmlformats.org/presentationml/2006/main">
+  <p:cSld>
+    <p:spTree>
+      <p:nvGrpSpPr>
+        <p:cNvPr id="1" name=""/>
+        <p:cNvGrpSpPr/>
+        <p:nvPr/>
+      </p:nvGrpSpPr>
+      <p:grpSpPr>
+        <a:xfrm>
+          <a:off x="0" y="0"/>
+          <a:ext cx="0" cy="0"/>
+          <a:chOff x="0" y="0"/>
+          <a:chExt cx="0" cy="0"/>
+        </a:xfrm>
+      </p:grpSpPr>
+      <p:sp>
+        <p:nvSpPr>
+          <p:cNvPr id="5" name="Title 4">
+            <a:extLst>
+              <a:ext uri="{FF2B5EF4-FFF2-40B4-BE49-F238E27FC236}">
+                <a16:creationId xmlns:a16="http://schemas.microsoft.com/office/drawing/2014/main" id="{8105CCA2-26FA-4419-92DB-36528E4E2E28}"/>
+              </a:ext>
+            </a:extLst>
+          </p:cNvPr>
+          <p:cNvSpPr>
+            <a:spLocks noGrp="1"/>
+          </p:cNvSpPr>
+          <p:nvPr>
+            <p:ph type="title"/>
+          </p:nvPr>
+        </p:nvSpPr>
+        <p:spPr/>
+        <p:txBody>
+          <a:bodyPr/>
+          <a:lstStyle/>
+          <a:p>
+            <a:r>
+              <a:rPr lang="en-US" sz="3600" dirty="0"/>
+              <a:t>Cancelling the cancellations</a:t>
+            </a:r>
+            <a:br>
+              <a:rPr lang="en-US" sz="3600" dirty="0"/>
+            </a:br>
+            <a:endParaRPr lang="en-US" dirty="0"/>
+          </a:p>
+        </p:txBody>
+      </p:sp>
+      <p:sp>
+        <p:nvSpPr>
+          <p:cNvPr id="6" name="Content Placeholder 5">
+            <a:extLst>
+              <a:ext uri="{FF2B5EF4-FFF2-40B4-BE49-F238E27FC236}">
+                <a16:creationId xmlns:a16="http://schemas.microsoft.com/office/drawing/2014/main" id="{8CD31A45-68A8-4D33-A8F8-E04D80004C40}"/>
+              </a:ext>
+            </a:extLst>
+          </p:cNvPr>
+          <p:cNvSpPr>
+            <a:spLocks noGrp="1"/>
+          </p:cNvSpPr>
+          <p:nvPr>
+            <p:ph idx="1"/>
+          </p:nvPr>
+        </p:nvSpPr>
+        <p:spPr>
+          <a:xfrm>
+            <a:off x="1086073" y="2204285"/>
+            <a:ext cx="10353762" cy="3695136"/>
+          </a:xfrm>
+        </p:spPr>
+        <p:txBody>
+          <a:bodyPr>
+            <a:noAutofit/>
+          </a:bodyPr>
+          <a:lstStyle/>
+          <a:p>
+            <a:pPr marL="457200" indent="-457200">
+              <a:buFont typeface="+mj-lt"/>
+              <a:buAutoNum type="arabicPeriod"/>
+            </a:pPr>
+            <a:r>
+              <a:rPr lang="en-US" sz="2400" dirty="0">
+                <a:solidFill>
+                  <a:srgbClr val="FF0000"/>
+                </a:solidFill>
+              </a:rPr>
+              <a:t>Disallow advance booking </a:t>
+            </a:r>
+            <a:r>
+              <a:rPr lang="en-US" sz="2400" dirty="0"/>
+              <a:t>of greater than 15 days </a:t>
+            </a:r>
+          </a:p>
+          <a:p>
+            <a:pPr marL="457200" indent="-457200">
+              <a:buFont typeface="+mj-lt"/>
+              <a:buAutoNum type="arabicPeriod"/>
+            </a:pPr>
+            <a:r>
+              <a:rPr lang="en-US" sz="2400" dirty="0"/>
+              <a:t>Introduce </a:t>
+            </a:r>
+            <a:r>
+              <a:rPr lang="en-US" sz="2400" dirty="0">
+                <a:solidFill>
+                  <a:srgbClr val="FF0000"/>
+                </a:solidFill>
+              </a:rPr>
+              <a:t>Dynamic pricing </a:t>
+            </a:r>
+            <a:r>
+              <a:rPr lang="en-US" sz="2400" dirty="0"/>
+              <a:t>in peak business months of July &amp; August. Discounts in lean business season of Dec &amp; Jan</a:t>
+            </a:r>
+          </a:p>
+          <a:p>
+            <a:pPr marL="457200" indent="-457200">
+              <a:buFont typeface="+mj-lt"/>
+              <a:buAutoNum type="arabicPeriod"/>
+            </a:pPr>
+            <a:r>
+              <a:rPr lang="en-US" sz="2400" dirty="0">
+                <a:solidFill>
+                  <a:srgbClr val="FF0000"/>
+                </a:solidFill>
+              </a:rPr>
+              <a:t>Overbook hotels </a:t>
+            </a:r>
+            <a:r>
+              <a:rPr lang="en-US" sz="2400" dirty="0"/>
+              <a:t>by deploying a suitable model to buffer against cancellations</a:t>
+            </a:r>
+          </a:p>
+          <a:p>
+            <a:pPr marL="0" indent="0">
+              <a:buNone/>
+            </a:pPr>
+            <a:endParaRPr lang="en-US" sz="2400" dirty="0"/>
+          </a:p>
+        </p:txBody>
+      </p:sp>
+    </p:spTree>
+    <p:extLst>
+      <p:ext uri="{BB962C8B-B14F-4D97-AF65-F5344CB8AC3E}">
+        <p14:creationId xmlns:p14="http://schemas.microsoft.com/office/powerpoint/2010/main" val="2119719260"/>
+      </p:ext>
+    </p:extLst>
+  </p:cSld>
+  <p:clrMapOvr>
+    <a:masterClrMapping/>
+  </p:clrMapOvr>
+</p:sld>
+</file>
+
+<file path=ppt/slides/slide18.xml><?xml version="1.0" encoding="utf-8"?>
+<p:sld xmlns:a="http://schemas.openxmlformats.org/drawingml/2006/main" xmlns:r="http://schemas.openxmlformats.org/officeDocument/2006/relationships" xmlns:p="http://schemas.openxmlformats.org/presentationml/2006/main">
+  <p:cSld>
+    <p:spTree>
+      <p:nvGrpSpPr>
+        <p:cNvPr id="1" name=""/>
+        <p:cNvGrpSpPr/>
+        <p:nvPr/>
+      </p:nvGrpSpPr>
+      <p:grpSpPr>
+        <a:xfrm>
+          <a:off x="0" y="0"/>
+          <a:ext cx="0" cy="0"/>
+          <a:chOff x="0" y="0"/>
+          <a:chExt cx="0" cy="0"/>
+        </a:xfrm>
+      </p:grpSpPr>
+      <p:sp>
+        <p:nvSpPr>
+          <p:cNvPr id="2" name="Title 1">
+            <a:extLst>
+              <a:ext uri="{FF2B5EF4-FFF2-40B4-BE49-F238E27FC236}">
+                <a16:creationId xmlns:a16="http://schemas.microsoft.com/office/drawing/2014/main" id="{08DC694F-04C7-4FE1-B149-20052E607B76}"/>
+              </a:ext>
+            </a:extLst>
+          </p:cNvPr>
+          <p:cNvSpPr>
+            <a:spLocks noGrp="1"/>
+          </p:cNvSpPr>
+          <p:nvPr>
+            <p:ph type="title"/>
+          </p:nvPr>
+        </p:nvSpPr>
+        <p:spPr/>
+        <p:txBody>
+          <a:bodyPr/>
+          <a:lstStyle/>
+          <a:p>
+            <a:r>
+              <a:rPr lang="en-US" sz="3600" dirty="0"/>
+              <a:t>Untapped business opportunities--</a:t>
+            </a:r>
+            <a:br>
+              <a:rPr lang="en-US" sz="3600" dirty="0"/>
+            </a:br>
+            <a:endParaRPr lang="en-US" dirty="0"/>
+          </a:p>
+        </p:txBody>
+      </p:sp>
+      <p:sp>
+        <p:nvSpPr>
+          <p:cNvPr id="3" name="Content Placeholder 2">
+            <a:extLst>
+              <a:ext uri="{FF2B5EF4-FFF2-40B4-BE49-F238E27FC236}">
+                <a16:creationId xmlns:a16="http://schemas.microsoft.com/office/drawing/2014/main" id="{FF1030B6-6D5D-4AD5-B4D4-976310031067}"/>
+              </a:ext>
+            </a:extLst>
+          </p:cNvPr>
+          <p:cNvSpPr>
+            <a:spLocks noGrp="1"/>
+          </p:cNvSpPr>
+          <p:nvPr>
+            <p:ph idx="1"/>
+          </p:nvPr>
+        </p:nvSpPr>
+        <p:spPr>
+          <a:xfrm>
+            <a:off x="754769" y="1581432"/>
+            <a:ext cx="10353762" cy="3695136"/>
+          </a:xfrm>
+        </p:spPr>
+        <p:txBody>
+          <a:bodyPr/>
+          <a:lstStyle/>
+          <a:p>
+            <a:pPr marL="0" indent="0">
+              <a:buNone/>
+            </a:pPr>
+            <a:endParaRPr lang="en-US" sz="2000" dirty="0"/>
+          </a:p>
+          <a:p>
+            <a:pPr marL="457200" indent="-457200">
+              <a:buFont typeface="+mj-lt"/>
+              <a:buAutoNum type="arabicPeriod"/>
+            </a:pPr>
+            <a:r>
+              <a:rPr lang="en-US" sz="2000" dirty="0">
+                <a:solidFill>
+                  <a:srgbClr val="FF0000"/>
+                </a:solidFill>
+              </a:rPr>
+              <a:t>Incorporate Corporate &amp; Aviation </a:t>
+            </a:r>
+            <a:r>
+              <a:rPr lang="en-US" sz="2000" dirty="0"/>
+              <a:t>companies as customers, employee</a:t>
+            </a:r>
+          </a:p>
+          <a:p>
+            <a:pPr marL="457200" indent="-457200">
+              <a:buFont typeface="+mj-lt"/>
+              <a:buAutoNum type="arabicPeriod"/>
+            </a:pPr>
+            <a:r>
+              <a:rPr lang="en-US" sz="2000" dirty="0"/>
+              <a:t>Increase customer retention Measures like </a:t>
+            </a:r>
+            <a:r>
+              <a:rPr lang="en-US" sz="2000" dirty="0">
+                <a:solidFill>
+                  <a:srgbClr val="FF0000"/>
+                </a:solidFill>
+              </a:rPr>
+              <a:t>loyalty cards , cashbacks ,discounted next visits </a:t>
+            </a:r>
+            <a:r>
+              <a:rPr lang="en-US" sz="2000" dirty="0" err="1"/>
+              <a:t>etc</a:t>
+            </a:r>
+            <a:r>
+              <a:rPr lang="en-US" sz="2000" dirty="0"/>
+              <a:t> can be taken</a:t>
+            </a:r>
+          </a:p>
+          <a:p>
+            <a:pPr marL="457200" indent="-457200">
+              <a:buFont typeface="+mj-lt"/>
+              <a:buAutoNum type="arabicPeriod"/>
+            </a:pPr>
+            <a:r>
+              <a:rPr lang="en-US" sz="2000" dirty="0">
+                <a:solidFill>
+                  <a:srgbClr val="FF0000"/>
+                </a:solidFill>
+              </a:rPr>
+              <a:t>Tap overseas market </a:t>
+            </a:r>
+            <a:r>
+              <a:rPr lang="en-US" sz="2000" dirty="0"/>
+              <a:t>--.Leverage digital marketing , list our hotel on the local hotel booking apps of </a:t>
+            </a:r>
+            <a:r>
+              <a:rPr lang="en-US" sz="2000" dirty="0" err="1"/>
+              <a:t>thhe</a:t>
+            </a:r>
+            <a:r>
+              <a:rPr lang="en-US" sz="2000" dirty="0"/>
+              <a:t> respective overseas country</a:t>
+            </a:r>
+          </a:p>
+          <a:p>
+            <a:endParaRPr lang="en-US" dirty="0"/>
+          </a:p>
+        </p:txBody>
+      </p:sp>
+      <p:sp>
+        <p:nvSpPr>
+          <p:cNvPr id="4" name="TextBox 3">
+            <a:extLst>
+              <a:ext uri="{FF2B5EF4-FFF2-40B4-BE49-F238E27FC236}">
+                <a16:creationId xmlns:a16="http://schemas.microsoft.com/office/drawing/2014/main" id="{0F36DBAC-E460-404D-90F5-521365DD4515}"/>
+              </a:ext>
+            </a:extLst>
+          </p:cNvPr>
+          <p:cNvSpPr txBox="1"/>
+          <p:nvPr/>
+        </p:nvSpPr>
+        <p:spPr>
+          <a:xfrm>
+            <a:off x="754769" y="5665994"/>
+            <a:ext cx="10353762" cy="1200329"/>
+          </a:xfrm>
+          <a:prstGeom prst="rect">
+            <a:avLst/>
+          </a:prstGeom>
+          <a:noFill/>
+        </p:spPr>
+        <p:txBody>
+          <a:bodyPr wrap="square" rtlCol="0">
+            <a:spAutoFit/>
+          </a:bodyPr>
+          <a:lstStyle/>
+          <a:p>
+            <a:r>
+              <a:rPr lang="en-US" sz="1800" dirty="0">
+                <a:solidFill>
+                  <a:srgbClr val="FF0000"/>
+                </a:solidFill>
+              </a:rPr>
+              <a:t>End Non refundable advance bookings-</a:t>
+            </a:r>
+            <a:r>
+              <a:rPr lang="en-US" sz="1800" dirty="0"/>
+              <a:t>- Non refundable deposits have 95% cancellation </a:t>
+            </a:r>
+            <a:r>
+              <a:rPr lang="en-US" sz="1800" dirty="0" err="1"/>
+              <a:t>rate.It</a:t>
+            </a:r>
+            <a:r>
+              <a:rPr lang="en-US" sz="1800" dirty="0"/>
+              <a:t> has not been able to stop cancellations .Since non refundable bookings are also less in number ,it implies people hesitate to pay advance payments.</a:t>
+            </a:r>
+          </a:p>
+          <a:p>
+            <a:endParaRPr lang="en-US" dirty="0"/>
+          </a:p>
+        </p:txBody>
+      </p:sp>
+      <p:sp>
+        <p:nvSpPr>
+          <p:cNvPr id="5" name="TextBox 4">
+            <a:extLst>
+              <a:ext uri="{FF2B5EF4-FFF2-40B4-BE49-F238E27FC236}">
+                <a16:creationId xmlns:a16="http://schemas.microsoft.com/office/drawing/2014/main" id="{C287D221-C493-4FB6-88F2-F8C6AD6A3375}"/>
+              </a:ext>
+            </a:extLst>
+          </p:cNvPr>
+          <p:cNvSpPr txBox="1"/>
+          <p:nvPr/>
+        </p:nvSpPr>
+        <p:spPr>
+          <a:xfrm>
+            <a:off x="3073899" y="4742664"/>
+            <a:ext cx="4864153" cy="923330"/>
+          </a:xfrm>
+          <a:prstGeom prst="rect">
+            <a:avLst/>
+          </a:prstGeom>
+          <a:noFill/>
+        </p:spPr>
+        <p:txBody>
+          <a:bodyPr wrap="square" rtlCol="0">
+            <a:spAutoFit/>
+          </a:bodyPr>
+          <a:lstStyle/>
+          <a:p>
+            <a:pPr algn="ctr"/>
+            <a:r>
+              <a:rPr lang="en-US" sz="3600" dirty="0"/>
+              <a:t>Existing Pitfalls</a:t>
+            </a:r>
+            <a:br>
+              <a:rPr lang="en-US" sz="1800" dirty="0"/>
+            </a:br>
+            <a:endParaRPr lang="en-US" dirty="0"/>
+          </a:p>
+        </p:txBody>
+      </p:sp>
+    </p:spTree>
+    <p:extLst>
+      <p:ext uri="{BB962C8B-B14F-4D97-AF65-F5344CB8AC3E}">
+        <p14:creationId xmlns:p14="http://schemas.microsoft.com/office/powerpoint/2010/main" val="3160028479"/>
+      </p:ext>
+    </p:extLst>
+  </p:cSld>
+  <p:clrMapOvr>
+    <a:masterClrMapping/>
+  </p:clrMapOvr>
+</p:sld>
+</file>
+
+<file path=ppt/slides/slide19.xml><?xml version="1.0" encoding="utf-8"?>
 <p:sld xmlns:a="http://schemas.openxmlformats.org/drawingml/2006/main" xmlns:r="http://schemas.openxmlformats.org/officeDocument/2006/relationships" xmlns:p="http://schemas.openxmlformats.org/presentationml/2006/main">
   <p:cSld>
     <p:spTree>
@@ -8772,7 +9216,27 @@
                 <a:effectLst/>
                 <a:latin typeface="Arial" panose="020B0604020202020204" pitchFamily="34" charset="0"/>
               </a:rPr>
-              <a:t>'adults’</a:t>
+              <a:t>‘</a:t>
+            </a:r>
+            <a:r>
+              <a:rPr lang="en-US" b="0" i="0" dirty="0" err="1">
+                <a:solidFill>
+                  <a:srgbClr val="EBDBB2"/>
+                </a:solidFill>
+                <a:effectLst/>
+                <a:latin typeface="Arial" panose="020B0604020202020204" pitchFamily="34" charset="0"/>
+              </a:rPr>
+              <a:t>total_stays</a:t>
+            </a:r>
+            <a:r>
+              <a:rPr lang="en-US" b="0" i="0" dirty="0">
+                <a:solidFill>
+                  <a:srgbClr val="EBDBB2"/>
+                </a:solidFill>
+                <a:effectLst/>
+                <a:latin typeface="Arial" panose="020B0604020202020204" pitchFamily="34" charset="0"/>
+              </a:rPr>
+              <a:t>’</a:t>
             </a:r>
           </a:p>
           <a:p>
@@ -8792,10 +9256,10 @@
       </p:sp>
       <p:pic>
         <p:nvPicPr>
-          <p:cNvPr id="7" name="Content Placeholder 6">
+          <p:cNvPr id="8" name="Content Placeholder 7">
             <a:extLst>
               <a:ext uri="{FF2B5EF4-FFF2-40B4-BE49-F238E27FC236}">
-                <a16:creationId xmlns:a16="http://schemas.microsoft.com/office/drawing/2014/main" id="{455D4AD9-A9D8-4E4D-8E76-929869A9F7A0}"/>
+                <a16:creationId xmlns:a16="http://schemas.microsoft.com/office/drawing/2014/main" id="{62E9C26B-8D07-4B7C-B7A4-8FCFC6F0582A}"/>
               </a:ext>
             </a:extLst>
           </p:cNvPr>
@@ -8820,8 +9284,8 @@
         </p:blipFill>
         <p:spPr>
           <a:xfrm>
-            <a:off x="560439" y="1122592"/>
-            <a:ext cx="8480127" cy="5024870"/>
+            <a:off x="560439" y="994258"/>
+            <a:ext cx="7165578" cy="5254759"/>
           </a:xfrm>
         </p:spPr>
       </p:pic>
@@ -10196,7 +10660,7 @@
         </p:blipFill>
         <p:spPr>
           <a:xfrm>
-            <a:off x="1696065" y="406266"/>
+            <a:off x="1169611" y="851037"/>
             <a:ext cx="10068233" cy="5900946"/>
           </a:xfrm>
           <a:prstGeom prst="rect">
@@ -10204,6 +10668,49 @@
           </a:prstGeom>
         </p:spPr>
       </p:pic>
+      <p:sp>
+        <p:nvSpPr>
+          <p:cNvPr id="2" name="TextBox 1">
+            <a:extLst>
+              <a:ext uri="{FF2B5EF4-FFF2-40B4-BE49-F238E27FC236}">
+                <a16:creationId xmlns:a16="http://schemas.microsoft.com/office/drawing/2014/main" id="{DDB4B457-E781-46A3-9D32-CCCD7B6420B0}"/>
+              </a:ext>
+            </a:extLst>
+          </p:cNvPr>
+          <p:cNvSpPr txBox="1"/>
+          <p:nvPr/>
+        </p:nvSpPr>
+        <p:spPr>
+          <a:xfrm>
+            <a:off x="821635" y="106017"/>
+            <a:ext cx="9607826" cy="584775"/>
+          </a:xfrm>
+          <a:prstGeom prst="rect">
+            <a:avLst/>
+          </a:prstGeom>
+          <a:noFill/>
+        </p:spPr>
+        <p:txBody>
+          <a:bodyPr wrap="square" rtlCol="0">
+            <a:spAutoFit/>
+          </a:bodyPr>
+          <a:lstStyle/>
+          <a:p>
+            <a:r>
+              <a:rPr lang="en-US" sz="3200" b="1" u="sng" dirty="0"/>
+              <a:t>Yearly Trend of </a:t>
+            </a:r>
+            <a:r>
+              <a:rPr lang="en-US" sz="3200" b="1" u="sng" dirty="0" err="1"/>
+              <a:t>Monthwise</a:t>
+            </a:r>
+            <a:r>
+              <a:rPr lang="en-US" sz="3200" b="1" u="sng" dirty="0"/>
+              <a:t> cancellation count</a:t>
+            </a:r>
+          </a:p>
+        </p:txBody>
+      </p:sp>
     </p:spTree>
     <p:extLst>
       <p:ext uri="{BB962C8B-B14F-4D97-AF65-F5344CB8AC3E}">
